--- a/fase1/Documentacion Individual/Estructura Presentación 1-Capstone.pptx
+++ b/fase1/Documentacion Individual/Estructura Presentación 1-Capstone.pptx
@@ -3104,7 +3104,7 @@
           <a:p>
             <a:fld id="{5AAB0916-E07D-42EB-9C54-2314ADA0F462}" type="datetimeFigureOut">
               <a:rPr lang="es-CL" smtClean="0"/>
-              <a:t>28-08-2025</a:t>
+              <a:t>07-09-2025</a:t>
             </a:fld>
             <a:endParaRPr lang="es-CL"/>
           </a:p>
@@ -3587,7 +3587,7 @@
           <a:p>
             <a:fld id="{C56040A3-26B0-41B9-8D0E-A6E2BE76A0F6}" type="datetimeFigureOut">
               <a:rPr lang="es-CL" smtClean="0"/>
-              <a:t>28-08-2025</a:t>
+              <a:t>07-09-2025</a:t>
             </a:fld>
             <a:endParaRPr lang="es-CL"/>
           </a:p>
@@ -3757,7 +3757,7 @@
           <a:p>
             <a:fld id="{C56040A3-26B0-41B9-8D0E-A6E2BE76A0F6}" type="datetimeFigureOut">
               <a:rPr lang="es-CL" smtClean="0"/>
-              <a:t>28-08-2025</a:t>
+              <a:t>07-09-2025</a:t>
             </a:fld>
             <a:endParaRPr lang="es-CL"/>
           </a:p>
@@ -3937,7 +3937,7 @@
           <a:p>
             <a:fld id="{C56040A3-26B0-41B9-8D0E-A6E2BE76A0F6}" type="datetimeFigureOut">
               <a:rPr lang="es-CL" smtClean="0"/>
-              <a:t>28-08-2025</a:t>
+              <a:t>07-09-2025</a:t>
             </a:fld>
             <a:endParaRPr lang="es-CL"/>
           </a:p>
@@ -4107,7 +4107,7 @@
           <a:p>
             <a:fld id="{C56040A3-26B0-41B9-8D0E-A6E2BE76A0F6}" type="datetimeFigureOut">
               <a:rPr lang="es-CL" smtClean="0"/>
-              <a:t>28-08-2025</a:t>
+              <a:t>07-09-2025</a:t>
             </a:fld>
             <a:endParaRPr lang="es-CL"/>
           </a:p>
@@ -4353,7 +4353,7 @@
           <a:p>
             <a:fld id="{C56040A3-26B0-41B9-8D0E-A6E2BE76A0F6}" type="datetimeFigureOut">
               <a:rPr lang="es-CL" smtClean="0"/>
-              <a:t>28-08-2025</a:t>
+              <a:t>07-09-2025</a:t>
             </a:fld>
             <a:endParaRPr lang="es-CL"/>
           </a:p>
@@ -4585,7 +4585,7 @@
           <a:p>
             <a:fld id="{C56040A3-26B0-41B9-8D0E-A6E2BE76A0F6}" type="datetimeFigureOut">
               <a:rPr lang="es-CL" smtClean="0"/>
-              <a:t>28-08-2025</a:t>
+              <a:t>07-09-2025</a:t>
             </a:fld>
             <a:endParaRPr lang="es-CL"/>
           </a:p>
@@ -4952,7 +4952,7 @@
           <a:p>
             <a:fld id="{C56040A3-26B0-41B9-8D0E-A6E2BE76A0F6}" type="datetimeFigureOut">
               <a:rPr lang="es-CL" smtClean="0"/>
-              <a:t>28-08-2025</a:t>
+              <a:t>07-09-2025</a:t>
             </a:fld>
             <a:endParaRPr lang="es-CL"/>
           </a:p>
@@ -5070,7 +5070,7 @@
           <a:p>
             <a:fld id="{C56040A3-26B0-41B9-8D0E-A6E2BE76A0F6}" type="datetimeFigureOut">
               <a:rPr lang="es-CL" smtClean="0"/>
-              <a:t>28-08-2025</a:t>
+              <a:t>07-09-2025</a:t>
             </a:fld>
             <a:endParaRPr lang="es-CL"/>
           </a:p>
@@ -5165,7 +5165,7 @@
           <a:p>
             <a:fld id="{C56040A3-26B0-41B9-8D0E-A6E2BE76A0F6}" type="datetimeFigureOut">
               <a:rPr lang="es-CL" smtClean="0"/>
-              <a:t>28-08-2025</a:t>
+              <a:t>07-09-2025</a:t>
             </a:fld>
             <a:endParaRPr lang="es-CL"/>
           </a:p>
@@ -5442,7 +5442,7 @@
           <a:p>
             <a:fld id="{C56040A3-26B0-41B9-8D0E-A6E2BE76A0F6}" type="datetimeFigureOut">
               <a:rPr lang="es-CL" smtClean="0"/>
-              <a:t>28-08-2025</a:t>
+              <a:t>07-09-2025</a:t>
             </a:fld>
             <a:endParaRPr lang="es-CL"/>
           </a:p>
@@ -5695,7 +5695,7 @@
           <a:p>
             <a:fld id="{C56040A3-26B0-41B9-8D0E-A6E2BE76A0F6}" type="datetimeFigureOut">
               <a:rPr lang="es-CL" smtClean="0"/>
-              <a:t>28-08-2025</a:t>
+              <a:t>07-09-2025</a:t>
             </a:fld>
             <a:endParaRPr lang="es-CL"/>
           </a:p>
@@ -5917,7 +5917,7 @@
           <a:p>
             <a:fld id="{C56040A3-26B0-41B9-8D0E-A6E2BE76A0F6}" type="datetimeFigureOut">
               <a:rPr lang="es-CL" smtClean="0"/>
-              <a:t>28-08-2025</a:t>
+              <a:t>07-09-2025</a:t>
             </a:fld>
             <a:endParaRPr lang="es-CL"/>
           </a:p>
@@ -8756,7 +8756,7 @@
           <p:nvPr>
             <p:extLst>
               <p:ext uri="{D42A27DB-BD31-4B8C-83A1-F6EECF244321}">
-                <p14:modId xmlns:p14="http://schemas.microsoft.com/office/powerpoint/2010/main" val="114275947"/>
+                <p14:modId xmlns:p14="http://schemas.microsoft.com/office/powerpoint/2010/main" val="1150778378"/>
               </p:ext>
             </p:extLst>
           </p:nvPr>

--- a/fase1/Documentacion Individual/Estructura Presentación 1-Capstone.pptx
+++ b/fase1/Documentacion Individual/Estructura Presentación 1-Capstone.pptx
@@ -5,7 +5,7 @@
     <p:sldMasterId id="2147483648" r:id="rId1"/>
   </p:sldMasterIdLst>
   <p:notesMasterIdLst>
-    <p:notesMasterId r:id="rId15"/>
+    <p:notesMasterId r:id="rId16"/>
   </p:notesMasterIdLst>
   <p:sldIdLst>
     <p:sldId id="256" r:id="rId2"/>
@@ -21,6 +21,7 @@
     <p:sldId id="279" r:id="rId12"/>
     <p:sldId id="276" r:id="rId13"/>
     <p:sldId id="286" r:id="rId14"/>
+    <p:sldId id="289" r:id="rId15"/>
   </p:sldIdLst>
   <p:sldSz cx="12192000" cy="6858000"/>
   <p:notesSz cx="6858000" cy="9144000"/>
@@ -3104,7 +3105,7 @@
           <a:p>
             <a:fld id="{5AAB0916-E07D-42EB-9C54-2314ADA0F462}" type="datetimeFigureOut">
               <a:rPr lang="es-CL" smtClean="0"/>
-              <a:t>07-09-2025</a:t>
+              <a:t>02-10-2025</a:t>
             </a:fld>
             <a:endParaRPr lang="es-CL"/>
           </a:p>
@@ -3587,7 +3588,7 @@
           <a:p>
             <a:fld id="{C56040A3-26B0-41B9-8D0E-A6E2BE76A0F6}" type="datetimeFigureOut">
               <a:rPr lang="es-CL" smtClean="0"/>
-              <a:t>07-09-2025</a:t>
+              <a:t>02-10-2025</a:t>
             </a:fld>
             <a:endParaRPr lang="es-CL"/>
           </a:p>
@@ -3757,7 +3758,7 @@
           <a:p>
             <a:fld id="{C56040A3-26B0-41B9-8D0E-A6E2BE76A0F6}" type="datetimeFigureOut">
               <a:rPr lang="es-CL" smtClean="0"/>
-              <a:t>07-09-2025</a:t>
+              <a:t>02-10-2025</a:t>
             </a:fld>
             <a:endParaRPr lang="es-CL"/>
           </a:p>
@@ -3937,7 +3938,7 @@
           <a:p>
             <a:fld id="{C56040A3-26B0-41B9-8D0E-A6E2BE76A0F6}" type="datetimeFigureOut">
               <a:rPr lang="es-CL" smtClean="0"/>
-              <a:t>07-09-2025</a:t>
+              <a:t>02-10-2025</a:t>
             </a:fld>
             <a:endParaRPr lang="es-CL"/>
           </a:p>
@@ -4107,7 +4108,7 @@
           <a:p>
             <a:fld id="{C56040A3-26B0-41B9-8D0E-A6E2BE76A0F6}" type="datetimeFigureOut">
               <a:rPr lang="es-CL" smtClean="0"/>
-              <a:t>07-09-2025</a:t>
+              <a:t>02-10-2025</a:t>
             </a:fld>
             <a:endParaRPr lang="es-CL"/>
           </a:p>
@@ -4353,7 +4354,7 @@
           <a:p>
             <a:fld id="{C56040A3-26B0-41B9-8D0E-A6E2BE76A0F6}" type="datetimeFigureOut">
               <a:rPr lang="es-CL" smtClean="0"/>
-              <a:t>07-09-2025</a:t>
+              <a:t>02-10-2025</a:t>
             </a:fld>
             <a:endParaRPr lang="es-CL"/>
           </a:p>
@@ -4585,7 +4586,7 @@
           <a:p>
             <a:fld id="{C56040A3-26B0-41B9-8D0E-A6E2BE76A0F6}" type="datetimeFigureOut">
               <a:rPr lang="es-CL" smtClean="0"/>
-              <a:t>07-09-2025</a:t>
+              <a:t>02-10-2025</a:t>
             </a:fld>
             <a:endParaRPr lang="es-CL"/>
           </a:p>
@@ -4952,7 +4953,7 @@
           <a:p>
             <a:fld id="{C56040A3-26B0-41B9-8D0E-A6E2BE76A0F6}" type="datetimeFigureOut">
               <a:rPr lang="es-CL" smtClean="0"/>
-              <a:t>07-09-2025</a:t>
+              <a:t>02-10-2025</a:t>
             </a:fld>
             <a:endParaRPr lang="es-CL"/>
           </a:p>
@@ -5070,7 +5071,7 @@
           <a:p>
             <a:fld id="{C56040A3-26B0-41B9-8D0E-A6E2BE76A0F6}" type="datetimeFigureOut">
               <a:rPr lang="es-CL" smtClean="0"/>
-              <a:t>07-09-2025</a:t>
+              <a:t>02-10-2025</a:t>
             </a:fld>
             <a:endParaRPr lang="es-CL"/>
           </a:p>
@@ -5165,7 +5166,7 @@
           <a:p>
             <a:fld id="{C56040A3-26B0-41B9-8D0E-A6E2BE76A0F6}" type="datetimeFigureOut">
               <a:rPr lang="es-CL" smtClean="0"/>
-              <a:t>07-09-2025</a:t>
+              <a:t>02-10-2025</a:t>
             </a:fld>
             <a:endParaRPr lang="es-CL"/>
           </a:p>
@@ -5442,7 +5443,7 @@
           <a:p>
             <a:fld id="{C56040A3-26B0-41B9-8D0E-A6E2BE76A0F6}" type="datetimeFigureOut">
               <a:rPr lang="es-CL" smtClean="0"/>
-              <a:t>07-09-2025</a:t>
+              <a:t>02-10-2025</a:t>
             </a:fld>
             <a:endParaRPr lang="es-CL"/>
           </a:p>
@@ -5695,7 +5696,7 @@
           <a:p>
             <a:fld id="{C56040A3-26B0-41B9-8D0E-A6E2BE76A0F6}" type="datetimeFigureOut">
               <a:rPr lang="es-CL" smtClean="0"/>
-              <a:t>07-09-2025</a:t>
+              <a:t>02-10-2025</a:t>
             </a:fld>
             <a:endParaRPr lang="es-CL"/>
           </a:p>
@@ -5917,7 +5918,7 @@
           <a:p>
             <a:fld id="{C56040A3-26B0-41B9-8D0E-A6E2BE76A0F6}" type="datetimeFigureOut">
               <a:rPr lang="es-CL" smtClean="0"/>
-              <a:t>07-09-2025</a:t>
+              <a:t>02-10-2025</a:t>
             </a:fld>
             <a:endParaRPr lang="es-CL"/>
           </a:p>
@@ -6487,7 +6488,7 @@
           <p:nvPr>
             <p:extLst>
               <p:ext uri="{D42A27DB-BD31-4B8C-83A1-F6EECF244321}">
-                <p14:modId xmlns:p14="http://schemas.microsoft.com/office/powerpoint/2010/main" val="2790170177"/>
+                <p14:modId xmlns:p14="http://schemas.microsoft.com/office/powerpoint/2010/main" val="953910906"/>
               </p:ext>
             </p:extLst>
           </p:nvPr>
@@ -6895,7 +6896,7 @@
                       </a:pPr>
                       <a:r>
                         <a:rPr lang="es-CL" sz="2000" dirty="0"/>
-                        <a:t>21 de agosto 2025</a:t>
+                        <a:t>02 Septiembre 2025</a:t>
                       </a:r>
                       <a:endParaRPr lang="es-CL" sz="2000" dirty="0">
                         <a:solidFill>
@@ -8680,6 +8681,299 @@
     <p:extLst>
       <p:ext uri="{BB962C8B-B14F-4D97-AF65-F5344CB8AC3E}">
         <p14:creationId xmlns:p14="http://schemas.microsoft.com/office/powerpoint/2010/main" val="4071933174"/>
+      </p:ext>
+    </p:extLst>
+  </p:cSld>
+  <p:clrMapOvr>
+    <a:masterClrMapping/>
+  </p:clrMapOvr>
+</p:sld>
+</file>
+
+<file path=ppt/slides/slide14.xml><?xml version="1.0" encoding="utf-8"?>
+<p:sld xmlns:a="http://schemas.openxmlformats.org/drawingml/2006/main" xmlns:r="http://schemas.openxmlformats.org/officeDocument/2006/relationships" xmlns:p="http://schemas.openxmlformats.org/presentationml/2006/main">
+  <p:cSld>
+    <p:spTree>
+      <p:nvGrpSpPr>
+        <p:cNvPr id="1" name=""/>
+        <p:cNvGrpSpPr/>
+        <p:nvPr/>
+      </p:nvGrpSpPr>
+      <p:grpSpPr>
+        <a:xfrm>
+          <a:off x="0" y="0"/>
+          <a:ext cx="0" cy="0"/>
+          <a:chOff x="0" y="0"/>
+          <a:chExt cx="0" cy="0"/>
+        </a:xfrm>
+      </p:grpSpPr>
+      <p:sp>
+        <p:nvSpPr>
+          <p:cNvPr id="2" name="Título 1">
+            <a:extLst>
+              <a:ext uri="{FF2B5EF4-FFF2-40B4-BE49-F238E27FC236}">
+                <a16:creationId xmlns:a16="http://schemas.microsoft.com/office/drawing/2014/main" id="{B200B832-92CB-9760-CE05-8D700526386D}"/>
+              </a:ext>
+            </a:extLst>
+          </p:cNvPr>
+          <p:cNvSpPr>
+            <a:spLocks noGrp="1"/>
+          </p:cNvSpPr>
+          <p:nvPr>
+            <p:ph type="title"/>
+          </p:nvPr>
+        </p:nvSpPr>
+        <p:spPr/>
+        <p:txBody>
+          <a:bodyPr/>
+          <a:lstStyle/>
+          <a:p>
+            <a:r>
+              <a:rPr lang="es-ES" dirty="0"/>
+              <a:t>Anexos</a:t>
+            </a:r>
+            <a:endParaRPr lang="es-CL" dirty="0"/>
+          </a:p>
+        </p:txBody>
+      </p:sp>
+      <p:sp>
+        <p:nvSpPr>
+          <p:cNvPr id="5" name="CuadroTexto 4">
+            <a:extLst>
+              <a:ext uri="{FF2B5EF4-FFF2-40B4-BE49-F238E27FC236}">
+                <a16:creationId xmlns:a16="http://schemas.microsoft.com/office/drawing/2014/main" id="{A92C6007-A565-FD24-95F3-EB126A488026}"/>
+              </a:ext>
+            </a:extLst>
+          </p:cNvPr>
+          <p:cNvSpPr txBox="1"/>
+          <p:nvPr/>
+        </p:nvSpPr>
+        <p:spPr>
+          <a:xfrm>
+            <a:off x="606056" y="1691561"/>
+            <a:ext cx="6624084" cy="2585323"/>
+          </a:xfrm>
+          <a:prstGeom prst="rect">
+            <a:avLst/>
+          </a:prstGeom>
+          <a:noFill/>
+        </p:spPr>
+        <p:txBody>
+          <a:bodyPr wrap="square" rtlCol="0">
+            <a:spAutoFit/>
+          </a:bodyPr>
+          <a:lstStyle/>
+          <a:p>
+            <a:endParaRPr lang="es-ES" dirty="0">
+              <a:hlinkClick r:id="rId2" action="ppaction://hlinkfile"/>
+            </a:endParaRPr>
+          </a:p>
+          <a:p>
+            <a:pPr marL="285750" indent="-285750">
+              <a:buFont typeface="Arial" panose="020B0604020202020204" pitchFamily="34" charset="0"/>
+              <a:buChar char="•"/>
+            </a:pPr>
+            <a:r>
+              <a:rPr lang="es-ES" dirty="0">
+                <a:hlinkClick r:id="rId2" action="ppaction://hlinkfile"/>
+              </a:rPr>
+              <a:t>..\</a:t>
+            </a:r>
+            <a:r>
+              <a:rPr lang="es-ES" dirty="0" err="1">
+                <a:hlinkClick r:id="rId2" action="ppaction://hlinkfile"/>
+              </a:rPr>
+              <a:t>Documentacion</a:t>
+            </a:r>
+            <a:r>
+              <a:rPr lang="es-ES" dirty="0">
+                <a:hlinkClick r:id="rId2" action="ppaction://hlinkfile"/>
+              </a:rPr>
+              <a:t> Proyecto\Carta Gantt.xlsx</a:t>
+            </a:r>
+            <a:endParaRPr lang="es-ES" dirty="0"/>
+          </a:p>
+          <a:p>
+            <a:pPr marL="285750" indent="-285750">
+              <a:buFont typeface="Arial" panose="020B0604020202020204" pitchFamily="34" charset="0"/>
+              <a:buChar char="•"/>
+            </a:pPr>
+            <a:r>
+              <a:rPr lang="es-ES" dirty="0">
+                <a:hlinkClick r:id="rId3" action="ppaction://hlinkfile"/>
+              </a:rPr>
+              <a:t>..\</a:t>
+            </a:r>
+            <a:r>
+              <a:rPr lang="es-ES" dirty="0" err="1">
+                <a:hlinkClick r:id="rId3" action="ppaction://hlinkfile"/>
+              </a:rPr>
+              <a:t>Documentacion</a:t>
+            </a:r>
+            <a:r>
+              <a:rPr lang="es-ES" dirty="0">
+                <a:hlinkClick r:id="rId3" action="ppaction://hlinkfile"/>
+              </a:rPr>
+              <a:t> Proyecto\Acta de constitución.docx</a:t>
+            </a:r>
+            <a:endParaRPr lang="es-ES" dirty="0"/>
+          </a:p>
+          <a:p>
+            <a:pPr marL="285750" indent="-285750">
+              <a:buFont typeface="Arial" panose="020B0604020202020204" pitchFamily="34" charset="0"/>
+              <a:buChar char="•"/>
+            </a:pPr>
+            <a:r>
+              <a:rPr lang="es-CL" dirty="0">
+                <a:hlinkClick r:id="rId4" action="ppaction://hlinkfile"/>
+              </a:rPr>
+              <a:t>..\</a:t>
+            </a:r>
+            <a:r>
+              <a:rPr lang="es-CL" dirty="0" err="1">
+                <a:hlinkClick r:id="rId4" action="ppaction://hlinkfile"/>
+              </a:rPr>
+              <a:t>Documentacion</a:t>
+            </a:r>
+            <a:r>
+              <a:rPr lang="es-CL" dirty="0">
+                <a:hlinkClick r:id="rId4" action="ppaction://hlinkfile"/>
+              </a:rPr>
+              <a:t> Proyecto\Documento Caso Uso Extendido.docx</a:t>
+            </a:r>
+            <a:endParaRPr lang="es-CL" dirty="0"/>
+          </a:p>
+          <a:p>
+            <a:pPr marL="285750" indent="-285750">
+              <a:buFont typeface="Arial" panose="020B0604020202020204" pitchFamily="34" charset="0"/>
+              <a:buChar char="•"/>
+            </a:pPr>
+            <a:r>
+              <a:rPr lang="es-CL" dirty="0">
+                <a:hlinkClick r:id="rId5" action="ppaction://hlinkfile"/>
+              </a:rPr>
+              <a:t>..\</a:t>
+            </a:r>
+            <a:r>
+              <a:rPr lang="es-CL" dirty="0" err="1">
+                <a:hlinkClick r:id="rId5" action="ppaction://hlinkfile"/>
+              </a:rPr>
+              <a:t>Documentacion</a:t>
+            </a:r>
+            <a:r>
+              <a:rPr lang="es-CL" dirty="0">
+                <a:hlinkClick r:id="rId5" action="ppaction://hlinkfile"/>
+              </a:rPr>
+              <a:t> Proyecto\Documento de avance de sprint.docx</a:t>
+            </a:r>
+            <a:endParaRPr lang="es-CL" dirty="0"/>
+          </a:p>
+          <a:p>
+            <a:pPr marL="285750" indent="-285750">
+              <a:buFont typeface="Arial" panose="020B0604020202020204" pitchFamily="34" charset="0"/>
+              <a:buChar char="•"/>
+            </a:pPr>
+            <a:r>
+              <a:rPr lang="es-CL" dirty="0">
+                <a:hlinkClick r:id="rId6" action="ppaction://hlinkfile"/>
+              </a:rPr>
+              <a:t>..\</a:t>
+            </a:r>
+            <a:r>
+              <a:rPr lang="es-CL" dirty="0" err="1">
+                <a:hlinkClick r:id="rId6" action="ppaction://hlinkfile"/>
+              </a:rPr>
+              <a:t>Documentacion</a:t>
+            </a:r>
+            <a:r>
+              <a:rPr lang="es-CL" dirty="0">
+                <a:hlinkClick r:id="rId6" action="ppaction://hlinkfile"/>
+              </a:rPr>
+              <a:t> Proyecto\Documento Mockups.docx</a:t>
+            </a:r>
+            <a:endParaRPr lang="es-CL" dirty="0"/>
+          </a:p>
+          <a:p>
+            <a:pPr marL="285750" indent="-285750">
+              <a:buFont typeface="Arial" panose="020B0604020202020204" pitchFamily="34" charset="0"/>
+              <a:buChar char="•"/>
+            </a:pPr>
+            <a:r>
+              <a:rPr lang="es-ES" dirty="0">
+                <a:hlinkClick r:id="rId7" action="ppaction://hlinkfile"/>
+              </a:rPr>
+              <a:t>..\</a:t>
+            </a:r>
+            <a:r>
+              <a:rPr lang="es-ES" dirty="0" err="1">
+                <a:hlinkClick r:id="rId7" action="ppaction://hlinkfile"/>
+              </a:rPr>
+              <a:t>Documentacion</a:t>
+            </a:r>
+            <a:r>
+              <a:rPr lang="es-ES" dirty="0">
+                <a:hlinkClick r:id="rId7" action="ppaction://hlinkfile"/>
+              </a:rPr>
+              <a:t> Proyecto\Informe ERS.docx</a:t>
+            </a:r>
+            <a:endParaRPr lang="es-ES" dirty="0"/>
+          </a:p>
+          <a:p>
+            <a:pPr marL="285750" indent="-285750">
+              <a:buFont typeface="Arial" panose="020B0604020202020204" pitchFamily="34" charset="0"/>
+              <a:buChar char="•"/>
+            </a:pPr>
+            <a:r>
+              <a:rPr lang="es-ES" dirty="0">
+                <a:hlinkClick r:id="rId8" action="ppaction://hlinkfile"/>
+              </a:rPr>
+              <a:t>..\</a:t>
+            </a:r>
+            <a:r>
+              <a:rPr lang="es-ES" dirty="0" err="1">
+                <a:hlinkClick r:id="rId8" action="ppaction://hlinkfile"/>
+              </a:rPr>
+              <a:t>Documentacion</a:t>
+            </a:r>
+            <a:r>
+              <a:rPr lang="es-ES" dirty="0">
+                <a:hlinkClick r:id="rId8" action="ppaction://hlinkfile"/>
+              </a:rPr>
+              <a:t> Proyecto\Matriz EDT.xlsb.xlsx</a:t>
+            </a:r>
+            <a:endParaRPr lang="es-ES" dirty="0"/>
+          </a:p>
+          <a:p>
+            <a:pPr marL="285750" indent="-285750">
+              <a:buFont typeface="Arial" panose="020B0604020202020204" pitchFamily="34" charset="0"/>
+              <a:buChar char="•"/>
+            </a:pPr>
+            <a:r>
+              <a:rPr lang="es-ES" dirty="0">
+                <a:hlinkClick r:id="rId9" action="ppaction://hlinkfile"/>
+              </a:rPr>
+              <a:t>..\</a:t>
+            </a:r>
+            <a:r>
+              <a:rPr lang="es-ES" dirty="0" err="1">
+                <a:hlinkClick r:id="rId9" action="ppaction://hlinkfile"/>
+              </a:rPr>
+              <a:t>Documentacion</a:t>
+            </a:r>
+            <a:r>
+              <a:rPr lang="es-ES" dirty="0">
+                <a:hlinkClick r:id="rId9" action="ppaction://hlinkfile"/>
+              </a:rPr>
+              <a:t> Proyecto\Planilla de Requerimientos.xlsx</a:t>
+            </a:r>
+            <a:endParaRPr lang="es-CL" dirty="0"/>
+          </a:p>
+        </p:txBody>
+      </p:sp>
+    </p:spTree>
+    <p:extLst>
+      <p:ext uri="{BB962C8B-B14F-4D97-AF65-F5344CB8AC3E}">
+        <p14:creationId xmlns:p14="http://schemas.microsoft.com/office/powerpoint/2010/main" val="442311950"/>
       </p:ext>
     </p:extLst>
   </p:cSld>

--- a/fase1/Documentacion Individual/Estructura Presentación 1-Capstone.pptx
+++ b/fase1/Documentacion Individual/Estructura Presentación 1-Capstone.pptx
@@ -11255,8 +11255,16 @@
           <a:p>
             <a:r>
               <a:rPr lang="es-CL" dirty="0"/>
-              <a:t>Mockups del Sistema</a:t>
-            </a:r>
+              <a:t>Mockups del Sistema </a:t>
+            </a:r>
+            <a:br>
+              <a:rPr lang="es-CL" dirty="0"/>
+            </a:br>
+            <a:r>
+              <a:rPr lang="es-CL" dirty="0" err="1"/>
+              <a:t>Adminsitrador</a:t>
+            </a:r>
+            <a:endParaRPr lang="es-CL" dirty="0"/>
           </a:p>
         </p:txBody>
       </p:sp>
@@ -11301,258 +11309,6 @@
           </a:p>
         </p:txBody>
       </p:sp>
-      <p:pic>
-        <p:nvPicPr>
-          <p:cNvPr id="6" name="Imagen 5" descr="Imagen que contiene Texto&#10;&#10;El contenido generado por IA puede ser incorrecto.">
-            <a:extLst>
-              <a:ext uri="{FF2B5EF4-FFF2-40B4-BE49-F238E27FC236}">
-                <a16:creationId xmlns:a16="http://schemas.microsoft.com/office/drawing/2014/main" id="{11A7CE76-6864-BB7A-2E36-FF4335709CC4}"/>
-              </a:ext>
-            </a:extLst>
-          </p:cNvPr>
-          <p:cNvPicPr>
-            <a:picLocks noChangeAspect="1"/>
-          </p:cNvPicPr>
-          <p:nvPr/>
-        </p:nvPicPr>
-        <p:blipFill>
-          <a:blip r:embed="rId2">
-            <a:extLst>
-              <a:ext uri="{28A0092B-C50C-407E-A947-70E740481C1C}">
-                <a14:useLocalDpi xmlns:a14="http://schemas.microsoft.com/office/drawing/2010/main" val="0"/>
-              </a:ext>
-            </a:extLst>
-          </a:blip>
-          <a:stretch>
-            <a:fillRect/>
-          </a:stretch>
-        </p:blipFill>
-        <p:spPr>
-          <a:xfrm>
-            <a:off x="8041202" y="3023020"/>
-            <a:ext cx="2766469" cy="2766469"/>
-          </a:xfrm>
-          <a:prstGeom prst="rect">
-            <a:avLst/>
-          </a:prstGeom>
-        </p:spPr>
-      </p:pic>
-      <p:pic>
-        <p:nvPicPr>
-          <p:cNvPr id="11" name="Imagen 10" descr="Interfaz de usuario gráfica, Texto, Aplicación&#10;&#10;El contenido generado por IA puede ser incorrecto.">
-            <a:extLst>
-              <a:ext uri="{FF2B5EF4-FFF2-40B4-BE49-F238E27FC236}">
-                <a16:creationId xmlns:a16="http://schemas.microsoft.com/office/drawing/2014/main" id="{888ADCCE-9A62-5FFD-71B9-8959AE423879}"/>
-              </a:ext>
-            </a:extLst>
-          </p:cNvPr>
-          <p:cNvPicPr>
-            <a:picLocks noChangeAspect="1"/>
-          </p:cNvPicPr>
-          <p:nvPr/>
-        </p:nvPicPr>
-        <p:blipFill>
-          <a:blip r:embed="rId3" cstate="print">
-            <a:extLst>
-              <a:ext uri="{28A0092B-C50C-407E-A947-70E740481C1C}">
-                <a14:useLocalDpi xmlns:a14="http://schemas.microsoft.com/office/drawing/2010/main" val="0"/>
-              </a:ext>
-            </a:extLst>
-          </a:blip>
-          <a:stretch>
-            <a:fillRect/>
-          </a:stretch>
-        </p:blipFill>
-        <p:spPr>
-          <a:xfrm>
-            <a:off x="5409618" y="4323889"/>
-            <a:ext cx="2061543" cy="2061543"/>
-          </a:xfrm>
-          <a:prstGeom prst="rect">
-            <a:avLst/>
-          </a:prstGeom>
-        </p:spPr>
-      </p:pic>
-      <p:pic>
-        <p:nvPicPr>
-          <p:cNvPr id="13" name="Imagen 12" descr="Interfaz de usuario gráfica, Texto, Aplicación&#10;&#10;El contenido generado por IA puede ser incorrecto.">
-            <a:extLst>
-              <a:ext uri="{FF2B5EF4-FFF2-40B4-BE49-F238E27FC236}">
-                <a16:creationId xmlns:a16="http://schemas.microsoft.com/office/drawing/2014/main" id="{53550416-3D92-7DFC-341E-C328D24B5403}"/>
-              </a:ext>
-            </a:extLst>
-          </p:cNvPr>
-          <p:cNvPicPr>
-            <a:picLocks noChangeAspect="1"/>
-          </p:cNvPicPr>
-          <p:nvPr/>
-        </p:nvPicPr>
-        <p:blipFill>
-          <a:blip r:embed="rId4" cstate="print">
-            <a:extLst>
-              <a:ext uri="{28A0092B-C50C-407E-A947-70E740481C1C}">
-                <a14:useLocalDpi xmlns:a14="http://schemas.microsoft.com/office/drawing/2010/main" val="0"/>
-              </a:ext>
-            </a:extLst>
-          </a:blip>
-          <a:stretch>
-            <a:fillRect/>
-          </a:stretch>
-        </p:blipFill>
-        <p:spPr>
-          <a:xfrm>
-            <a:off x="5409618" y="2190865"/>
-            <a:ext cx="2061543" cy="2061543"/>
-          </a:xfrm>
-          <a:prstGeom prst="rect">
-            <a:avLst/>
-          </a:prstGeom>
-        </p:spPr>
-      </p:pic>
-      <p:pic>
-        <p:nvPicPr>
-          <p:cNvPr id="15" name="Imagen 14" descr="Interfaz de usuario gráfica, Texto, Aplicación&#10;&#10;El contenido generado por IA puede ser incorrecto.">
-            <a:extLst>
-              <a:ext uri="{FF2B5EF4-FFF2-40B4-BE49-F238E27FC236}">
-                <a16:creationId xmlns:a16="http://schemas.microsoft.com/office/drawing/2014/main" id="{7928457B-6624-F782-78CA-1D816497E938}"/>
-              </a:ext>
-            </a:extLst>
-          </p:cNvPr>
-          <p:cNvPicPr>
-            <a:picLocks noChangeAspect="1"/>
-          </p:cNvPicPr>
-          <p:nvPr/>
-        </p:nvPicPr>
-        <p:blipFill>
-          <a:blip r:embed="rId5" cstate="print">
-            <a:extLst>
-              <a:ext uri="{28A0092B-C50C-407E-A947-70E740481C1C}">
-                <a14:useLocalDpi xmlns:a14="http://schemas.microsoft.com/office/drawing/2010/main" val="0"/>
-              </a:ext>
-            </a:extLst>
-          </a:blip>
-          <a:stretch>
-            <a:fillRect/>
-          </a:stretch>
-        </p:blipFill>
-        <p:spPr>
-          <a:xfrm>
-            <a:off x="3151766" y="4323889"/>
-            <a:ext cx="2061543" cy="2061543"/>
-          </a:xfrm>
-          <a:prstGeom prst="rect">
-            <a:avLst/>
-          </a:prstGeom>
-        </p:spPr>
-      </p:pic>
-      <p:pic>
-        <p:nvPicPr>
-          <p:cNvPr id="17" name="Imagen 16" descr="Interfaz de usuario gráfica, Texto, Aplicación&#10;&#10;El contenido generado por IA puede ser incorrecto.">
-            <a:extLst>
-              <a:ext uri="{FF2B5EF4-FFF2-40B4-BE49-F238E27FC236}">
-                <a16:creationId xmlns:a16="http://schemas.microsoft.com/office/drawing/2014/main" id="{43045621-6A36-F221-997B-7B28C32C1AC8}"/>
-              </a:ext>
-            </a:extLst>
-          </p:cNvPr>
-          <p:cNvPicPr>
-            <a:picLocks noChangeAspect="1"/>
-          </p:cNvPicPr>
-          <p:nvPr/>
-        </p:nvPicPr>
-        <p:blipFill>
-          <a:blip r:embed="rId6" cstate="print">
-            <a:extLst>
-              <a:ext uri="{28A0092B-C50C-407E-A947-70E740481C1C}">
-                <a14:useLocalDpi xmlns:a14="http://schemas.microsoft.com/office/drawing/2010/main" val="0"/>
-              </a:ext>
-            </a:extLst>
-          </a:blip>
-          <a:stretch>
-            <a:fillRect/>
-          </a:stretch>
-        </p:blipFill>
-        <p:spPr>
-          <a:xfrm>
-            <a:off x="3146223" y="2173572"/>
-            <a:ext cx="2061543" cy="2061543"/>
-          </a:xfrm>
-          <a:prstGeom prst="rect">
-            <a:avLst/>
-          </a:prstGeom>
-        </p:spPr>
-      </p:pic>
-      <p:pic>
-        <p:nvPicPr>
-          <p:cNvPr id="19" name="Imagen 18" descr="Interfaz de usuario gráfica, Texto, Aplicación, Chat o mensaje de texto&#10;&#10;El contenido generado por IA puede ser incorrecto.">
-            <a:extLst>
-              <a:ext uri="{FF2B5EF4-FFF2-40B4-BE49-F238E27FC236}">
-                <a16:creationId xmlns:a16="http://schemas.microsoft.com/office/drawing/2014/main" id="{FF0D2F30-9200-F121-B4BE-3C802862CBBD}"/>
-              </a:ext>
-            </a:extLst>
-          </p:cNvPr>
-          <p:cNvPicPr>
-            <a:picLocks noChangeAspect="1"/>
-          </p:cNvPicPr>
-          <p:nvPr/>
-        </p:nvPicPr>
-        <p:blipFill>
-          <a:blip r:embed="rId7" cstate="print">
-            <a:extLst>
-              <a:ext uri="{28A0092B-C50C-407E-A947-70E740481C1C}">
-                <a14:useLocalDpi xmlns:a14="http://schemas.microsoft.com/office/drawing/2010/main" val="0"/>
-              </a:ext>
-            </a:extLst>
-          </a:blip>
-          <a:stretch>
-            <a:fillRect/>
-          </a:stretch>
-        </p:blipFill>
-        <p:spPr>
-          <a:xfrm>
-            <a:off x="945149" y="4323889"/>
-            <a:ext cx="2061543" cy="2061543"/>
-          </a:xfrm>
-          <a:prstGeom prst="rect">
-            <a:avLst/>
-          </a:prstGeom>
-        </p:spPr>
-      </p:pic>
-      <p:pic>
-        <p:nvPicPr>
-          <p:cNvPr id="21" name="Imagen 20" descr="Interfaz de usuario gráfica, Texto, Aplicación, Chat o mensaje de texto&#10;&#10;El contenido generado por IA puede ser incorrecto.">
-            <a:extLst>
-              <a:ext uri="{FF2B5EF4-FFF2-40B4-BE49-F238E27FC236}">
-                <a16:creationId xmlns:a16="http://schemas.microsoft.com/office/drawing/2014/main" id="{B6888233-BCE0-9F69-E472-6953820642A3}"/>
-              </a:ext>
-            </a:extLst>
-          </p:cNvPr>
-          <p:cNvPicPr>
-            <a:picLocks noChangeAspect="1"/>
-          </p:cNvPicPr>
-          <p:nvPr/>
-        </p:nvPicPr>
-        <p:blipFill>
-          <a:blip r:embed="rId8" cstate="print">
-            <a:extLst>
-              <a:ext uri="{28A0092B-C50C-407E-A947-70E740481C1C}">
-                <a14:useLocalDpi xmlns:a14="http://schemas.microsoft.com/office/drawing/2010/main" val="0"/>
-              </a:ext>
-            </a:extLst>
-          </a:blip>
-          <a:stretch>
-            <a:fillRect/>
-          </a:stretch>
-        </p:blipFill>
-        <p:spPr>
-          <a:xfrm>
-            <a:off x="945149" y="2173572"/>
-            <a:ext cx="2061543" cy="2061543"/>
-          </a:xfrm>
-          <a:prstGeom prst="rect">
-            <a:avLst/>
-          </a:prstGeom>
-        </p:spPr>
-      </p:pic>
     </p:spTree>
     <p:extLst>
       <p:ext uri="{BB962C8B-B14F-4D97-AF65-F5344CB8AC3E}">
@@ -11621,333 +11377,79 @@
               <a:rPr lang="es-CL" dirty="0"/>
               <a:t>Mockups del Sistema</a:t>
             </a:r>
+            <a:br>
+              <a:rPr lang="es-CL" dirty="0"/>
+            </a:br>
+            <a:r>
+              <a:rPr lang="es-CL" dirty="0"/>
+              <a:t>Usuario</a:t>
+            </a:r>
           </a:p>
         </p:txBody>
       </p:sp>
-      <p:pic>
-        <p:nvPicPr>
-          <p:cNvPr id="8" name="Imagen 7" descr="Interfaz de usuario gráfica, Texto, Aplicación, Chat o mensaje de texto&#10;&#10;El contenido generado por IA puede ser incorrecto.">
+      <p:sp>
+        <p:nvSpPr>
+          <p:cNvPr id="2" name="CuadroTexto 1">
             <a:extLst>
               <a:ext uri="{FF2B5EF4-FFF2-40B4-BE49-F238E27FC236}">
-                <a16:creationId xmlns:a16="http://schemas.microsoft.com/office/drawing/2014/main" id="{7F1A9D73-745D-C3F8-04AF-29A5E4536F3A}"/>
+                <a16:creationId xmlns:a16="http://schemas.microsoft.com/office/drawing/2014/main" id="{991571F8-6995-EA83-123E-17AC870D66A4}"/>
               </a:ext>
             </a:extLst>
           </p:cNvPr>
-          <p:cNvPicPr>
-            <a:picLocks noChangeAspect="1"/>
-          </p:cNvPicPr>
+          <p:cNvSpPr txBox="1"/>
           <p:nvPr/>
-        </p:nvPicPr>
-        <p:blipFill>
-          <a:blip r:embed="rId2" cstate="print">
-            <a:extLst>
-              <a:ext uri="{28A0092B-C50C-407E-A947-70E740481C1C}">
-                <a14:useLocalDpi xmlns:a14="http://schemas.microsoft.com/office/drawing/2010/main" val="0"/>
-              </a:ext>
-            </a:extLst>
-          </a:blip>
-          <a:stretch>
-            <a:fillRect/>
-          </a:stretch>
-        </p:blipFill>
+        </p:nvSpPr>
         <p:spPr>
           <a:xfrm>
-            <a:off x="2829388" y="4347146"/>
-            <a:ext cx="2064034" cy="2064034"/>
+            <a:off x="871870" y="2918637"/>
+            <a:ext cx="7170233" cy="646331"/>
           </a:xfrm>
           <a:prstGeom prst="rect">
             <a:avLst/>
           </a:prstGeom>
+          <a:noFill/>
         </p:spPr>
-      </p:pic>
-      <p:pic>
-        <p:nvPicPr>
-          <p:cNvPr id="10" name="Imagen 9" descr="Interfaz de usuario gráfica, Texto, Aplicación, Chat o mensaje de texto&#10;&#10;El contenido generado por IA puede ser incorrecto.">
-            <a:extLst>
-              <a:ext uri="{FF2B5EF4-FFF2-40B4-BE49-F238E27FC236}">
-                <a16:creationId xmlns:a16="http://schemas.microsoft.com/office/drawing/2014/main" id="{33FA0EFF-BB44-C7BE-6B8D-C309E3840F77}"/>
-              </a:ext>
-            </a:extLst>
-          </p:cNvPr>
-          <p:cNvPicPr>
-            <a:picLocks noChangeAspect="1"/>
-          </p:cNvPicPr>
-          <p:nvPr/>
-        </p:nvPicPr>
-        <p:blipFill>
-          <a:blip r:embed="rId3" cstate="print">
-            <a:extLst>
-              <a:ext uri="{28A0092B-C50C-407E-A947-70E740481C1C}">
-                <a14:useLocalDpi xmlns:a14="http://schemas.microsoft.com/office/drawing/2010/main" val="0"/>
-              </a:ext>
-            </a:extLst>
-          </a:blip>
-          <a:stretch>
-            <a:fillRect/>
-          </a:stretch>
-        </p:blipFill>
-        <p:spPr>
-          <a:xfrm>
-            <a:off x="7208139" y="4347146"/>
-            <a:ext cx="2064033" cy="2064033"/>
-          </a:xfrm>
-          <a:prstGeom prst="rect">
-            <a:avLst/>
-          </a:prstGeom>
-        </p:spPr>
-      </p:pic>
-      <p:pic>
-        <p:nvPicPr>
-          <p:cNvPr id="14" name="Imagen 13" descr="Interfaz de usuario gráfica, Texto, Aplicación, Chat o mensaje de texto&#10;&#10;El contenido generado por IA puede ser incorrecto.">
-            <a:extLst>
-              <a:ext uri="{FF2B5EF4-FFF2-40B4-BE49-F238E27FC236}">
-                <a16:creationId xmlns:a16="http://schemas.microsoft.com/office/drawing/2014/main" id="{FA29E3E6-1465-8DD0-AE52-33BB5E0F24A9}"/>
-              </a:ext>
-            </a:extLst>
-          </p:cNvPr>
-          <p:cNvPicPr>
-            <a:picLocks noChangeAspect="1"/>
-          </p:cNvPicPr>
-          <p:nvPr/>
-        </p:nvPicPr>
-        <p:blipFill>
-          <a:blip r:embed="rId4" cstate="print">
-            <a:extLst>
-              <a:ext uri="{28A0092B-C50C-407E-A947-70E740481C1C}">
-                <a14:useLocalDpi xmlns:a14="http://schemas.microsoft.com/office/drawing/2010/main" val="0"/>
-              </a:ext>
-            </a:extLst>
-          </a:blip>
-          <a:stretch>
-            <a:fillRect/>
-          </a:stretch>
-        </p:blipFill>
-        <p:spPr>
-          <a:xfrm>
-            <a:off x="7208139" y="2096094"/>
-            <a:ext cx="2064033" cy="2064033"/>
-          </a:xfrm>
-          <a:prstGeom prst="rect">
-            <a:avLst/>
-          </a:prstGeom>
-        </p:spPr>
-      </p:pic>
-      <p:pic>
-        <p:nvPicPr>
-          <p:cNvPr id="18" name="Imagen 17" descr="Interfaz de usuario gráfica, Texto, Aplicación, Chat o mensaje de texto&#10;&#10;El contenido generado por IA puede ser incorrecto.">
-            <a:extLst>
-              <a:ext uri="{FF2B5EF4-FFF2-40B4-BE49-F238E27FC236}">
-                <a16:creationId xmlns:a16="http://schemas.microsoft.com/office/drawing/2014/main" id="{F88D4542-973F-668E-DD1B-0B59DCE805A8}"/>
-              </a:ext>
-            </a:extLst>
-          </p:cNvPr>
-          <p:cNvPicPr>
-            <a:picLocks noChangeAspect="1"/>
-          </p:cNvPicPr>
-          <p:nvPr/>
-        </p:nvPicPr>
-        <p:blipFill>
-          <a:blip r:embed="rId5" cstate="print">
-            <a:extLst>
-              <a:ext uri="{28A0092B-C50C-407E-A947-70E740481C1C}">
-                <a14:useLocalDpi xmlns:a14="http://schemas.microsoft.com/office/drawing/2010/main" val="0"/>
-              </a:ext>
-            </a:extLst>
-          </a:blip>
-          <a:stretch>
-            <a:fillRect/>
-          </a:stretch>
-        </p:blipFill>
-        <p:spPr>
-          <a:xfrm>
-            <a:off x="5020003" y="4347146"/>
-            <a:ext cx="2064033" cy="2064033"/>
-          </a:xfrm>
-          <a:prstGeom prst="rect">
-            <a:avLst/>
-          </a:prstGeom>
-        </p:spPr>
-      </p:pic>
-      <p:pic>
-        <p:nvPicPr>
-          <p:cNvPr id="22" name="Imagen 21" descr="Interfaz de usuario gráfica, Texto, Aplicación, Chat o mensaje de texto&#10;&#10;El contenido generado por IA puede ser incorrecto.">
-            <a:extLst>
-              <a:ext uri="{FF2B5EF4-FFF2-40B4-BE49-F238E27FC236}">
-                <a16:creationId xmlns:a16="http://schemas.microsoft.com/office/drawing/2014/main" id="{3790A0E5-FD8F-4743-925E-48D19C088DAA}"/>
-              </a:ext>
-            </a:extLst>
-          </p:cNvPr>
-          <p:cNvPicPr>
-            <a:picLocks noChangeAspect="1"/>
-          </p:cNvPicPr>
-          <p:nvPr/>
-        </p:nvPicPr>
-        <p:blipFill>
-          <a:blip r:embed="rId6" cstate="print">
-            <a:extLst>
-              <a:ext uri="{28A0092B-C50C-407E-A947-70E740481C1C}">
-                <a14:useLocalDpi xmlns:a14="http://schemas.microsoft.com/office/drawing/2010/main" val="0"/>
-              </a:ext>
-            </a:extLst>
-          </a:blip>
-          <a:stretch>
-            <a:fillRect/>
-          </a:stretch>
-        </p:blipFill>
-        <p:spPr>
-          <a:xfrm>
-            <a:off x="5020004" y="2096094"/>
-            <a:ext cx="2064033" cy="2064033"/>
-          </a:xfrm>
-          <a:prstGeom prst="rect">
-            <a:avLst/>
-          </a:prstGeom>
-        </p:spPr>
-      </p:pic>
-      <p:pic>
-        <p:nvPicPr>
-          <p:cNvPr id="24" name="Imagen 23" descr="Imagen que contiene Texto&#10;&#10;El contenido generado por IA puede ser incorrecto.">
-            <a:extLst>
-              <a:ext uri="{FF2B5EF4-FFF2-40B4-BE49-F238E27FC236}">
-                <a16:creationId xmlns:a16="http://schemas.microsoft.com/office/drawing/2014/main" id="{D3932C9C-C298-3F56-07A4-F55246BE9FFD}"/>
-              </a:ext>
-            </a:extLst>
-          </p:cNvPr>
-          <p:cNvPicPr>
-            <a:picLocks noChangeAspect="1"/>
-          </p:cNvPicPr>
-          <p:nvPr/>
-        </p:nvPicPr>
-        <p:blipFill>
-          <a:blip r:embed="rId7" cstate="print">
-            <a:extLst>
-              <a:ext uri="{28A0092B-C50C-407E-A947-70E740481C1C}">
-                <a14:useLocalDpi xmlns:a14="http://schemas.microsoft.com/office/drawing/2010/main" val="0"/>
-              </a:ext>
-            </a:extLst>
-          </a:blip>
-          <a:stretch>
-            <a:fillRect/>
-          </a:stretch>
-        </p:blipFill>
-        <p:spPr>
-          <a:xfrm>
-            <a:off x="9486715" y="3429000"/>
-            <a:ext cx="2064033" cy="2064033"/>
-          </a:xfrm>
-          <a:prstGeom prst="rect">
-            <a:avLst/>
-          </a:prstGeom>
-        </p:spPr>
-      </p:pic>
-      <p:pic>
-        <p:nvPicPr>
-          <p:cNvPr id="26" name="Imagen 25" descr="Interfaz de usuario gráfica, Texto, Aplicación, Chat o mensaje de texto&#10;&#10;El contenido generado por IA puede ser incorrecto.">
-            <a:extLst>
-              <a:ext uri="{FF2B5EF4-FFF2-40B4-BE49-F238E27FC236}">
-                <a16:creationId xmlns:a16="http://schemas.microsoft.com/office/drawing/2014/main" id="{A6C5A9CE-9BD4-C7B6-5D2C-A19E8603D8CA}"/>
-              </a:ext>
-            </a:extLst>
-          </p:cNvPr>
-          <p:cNvPicPr>
-            <a:picLocks noChangeAspect="1"/>
-          </p:cNvPicPr>
-          <p:nvPr/>
-        </p:nvPicPr>
-        <p:blipFill>
-          <a:blip r:embed="rId8" cstate="print">
-            <a:extLst>
-              <a:ext uri="{28A0092B-C50C-407E-A947-70E740481C1C}">
-                <a14:useLocalDpi xmlns:a14="http://schemas.microsoft.com/office/drawing/2010/main" val="0"/>
-              </a:ext>
-            </a:extLst>
-          </a:blip>
-          <a:stretch>
-            <a:fillRect/>
-          </a:stretch>
-        </p:blipFill>
-        <p:spPr>
-          <a:xfrm>
-            <a:off x="2830628" y="2096095"/>
-            <a:ext cx="2064033" cy="2064033"/>
-          </a:xfrm>
-          <a:prstGeom prst="rect">
-            <a:avLst/>
-          </a:prstGeom>
-        </p:spPr>
-      </p:pic>
-      <p:pic>
-        <p:nvPicPr>
-          <p:cNvPr id="28" name="Imagen 27" descr="Interfaz de usuario gráfica&#10;&#10;El contenido generado por IA puede ser incorrecto.">
-            <a:extLst>
-              <a:ext uri="{FF2B5EF4-FFF2-40B4-BE49-F238E27FC236}">
-                <a16:creationId xmlns:a16="http://schemas.microsoft.com/office/drawing/2014/main" id="{7CE4026D-3754-B08A-AC7B-59B172040BA8}"/>
-              </a:ext>
-            </a:extLst>
-          </p:cNvPr>
-          <p:cNvPicPr>
-            <a:picLocks noChangeAspect="1"/>
-          </p:cNvPicPr>
-          <p:nvPr/>
-        </p:nvPicPr>
-        <p:blipFill>
-          <a:blip r:embed="rId9" cstate="print">
-            <a:extLst>
-              <a:ext uri="{28A0092B-C50C-407E-A947-70E740481C1C}">
-                <a14:useLocalDpi xmlns:a14="http://schemas.microsoft.com/office/drawing/2010/main" val="0"/>
-              </a:ext>
-            </a:extLst>
-          </a:blip>
-          <a:stretch>
-            <a:fillRect/>
-          </a:stretch>
-        </p:blipFill>
-        <p:spPr>
-          <a:xfrm>
-            <a:off x="641252" y="4347146"/>
-            <a:ext cx="2064033" cy="2064033"/>
-          </a:xfrm>
-          <a:prstGeom prst="rect">
-            <a:avLst/>
-          </a:prstGeom>
-        </p:spPr>
-      </p:pic>
-      <p:pic>
-        <p:nvPicPr>
-          <p:cNvPr id="30" name="Imagen 29" descr="Interfaz de usuario gráfica, Texto, Aplicación&#10;&#10;El contenido generado por IA puede ser incorrecto.">
-            <a:extLst>
-              <a:ext uri="{FF2B5EF4-FFF2-40B4-BE49-F238E27FC236}">
-                <a16:creationId xmlns:a16="http://schemas.microsoft.com/office/drawing/2014/main" id="{399A898C-2877-FBEE-BACB-5F7548903218}"/>
-              </a:ext>
-            </a:extLst>
-          </p:cNvPr>
-          <p:cNvPicPr>
-            <a:picLocks noChangeAspect="1"/>
-          </p:cNvPicPr>
-          <p:nvPr/>
-        </p:nvPicPr>
-        <p:blipFill>
-          <a:blip r:embed="rId10" cstate="print">
-            <a:extLst>
-              <a:ext uri="{28A0092B-C50C-407E-A947-70E740481C1C}">
-                <a14:useLocalDpi xmlns:a14="http://schemas.microsoft.com/office/drawing/2010/main" val="0"/>
-              </a:ext>
-            </a:extLst>
-          </a:blip>
-          <a:stretch>
-            <a:fillRect/>
-          </a:stretch>
-        </p:blipFill>
-        <p:spPr>
-          <a:xfrm>
-            <a:off x="641252" y="2096095"/>
-            <a:ext cx="2064033" cy="2064033"/>
-          </a:xfrm>
-          <a:prstGeom prst="rect">
-            <a:avLst/>
-          </a:prstGeom>
-        </p:spPr>
-      </p:pic>
+        <p:txBody>
+          <a:bodyPr wrap="none" rtlCol="0">
+            <a:spAutoFit/>
+          </a:bodyPr>
+          <a:lstStyle/>
+          <a:p>
+            <a:r>
+              <a:rPr lang="es-ES" dirty="0"/>
+              <a:t>A}-</a:t>
+            </a:r>
+            <a:r>
+              <a:rPr lang="en-US" dirty="0">
+                <a:hlinkClick r:id="rId2" action="ppaction://hlinkfile"/>
+              </a:rPr>
+              <a:t>..\..\..\..\..\Downloads\WhatsApp Video 2025-10-02 at 7.53.05 PM.mp4</a:t>
+            </a:r>
+            <a:endParaRPr lang="en-US" dirty="0"/>
+          </a:p>
+          <a:p>
+            <a:r>
+              <a:rPr lang="es-CL" dirty="0">
+                <a:hlinkClick r:id="rId3" action="ppaction://hlinkfile"/>
+              </a:rPr>
+              <a:t>..\..\..\..\..\</a:t>
+            </a:r>
+            <a:r>
+              <a:rPr lang="es-CL" dirty="0" err="1">
+                <a:hlinkClick r:id="rId3" action="ppaction://hlinkfile"/>
+              </a:rPr>
+              <a:t>Downloads</a:t>
+            </a:r>
+            <a:r>
+              <a:rPr lang="es-CL" dirty="0">
+                <a:hlinkClick r:id="rId3" action="ppaction://hlinkfile"/>
+              </a:rPr>
+              <a:t>\(113) WhatsApp.html</a:t>
+            </a:r>
+            <a:endParaRPr lang="es-CL" dirty="0"/>
+          </a:p>
+        </p:txBody>
+      </p:sp>
     </p:spTree>
     <p:extLst>
       <p:ext uri="{BB962C8B-B14F-4D97-AF65-F5344CB8AC3E}">
